--- a/CSI3002 Applied Cryptography and Network Security/reference materials/31_Web Security.pptx
+++ b/CSI3002 Applied Cryptography and Network Security/reference materials/31_Web Security.pptx
@@ -271,7 +271,7 @@
           <a:p>
             <a:fld id="{57FF82C3-2FA9-495D-B0BF-E879D2D77FEE}" type="datetimeFigureOut">
               <a:rPr lang="en-IN" smtClean="0"/>
-              <a:t>29/04/22</a:t>
+              <a:t>03/05/22</a:t>
             </a:fld>
             <a:endParaRPr lang="en-IN"/>
           </a:p>
@@ -441,7 +441,7 @@
           <a:p>
             <a:fld id="{57FF82C3-2FA9-495D-B0BF-E879D2D77FEE}" type="datetimeFigureOut">
               <a:rPr lang="en-IN" smtClean="0"/>
-              <a:t>29/04/22</a:t>
+              <a:t>03/05/22</a:t>
             </a:fld>
             <a:endParaRPr lang="en-IN"/>
           </a:p>
@@ -621,7 +621,7 @@
           <a:p>
             <a:fld id="{57FF82C3-2FA9-495D-B0BF-E879D2D77FEE}" type="datetimeFigureOut">
               <a:rPr lang="en-IN" smtClean="0"/>
-              <a:t>29/04/22</a:t>
+              <a:t>03/05/22</a:t>
             </a:fld>
             <a:endParaRPr lang="en-IN"/>
           </a:p>
@@ -791,7 +791,7 @@
           <a:p>
             <a:fld id="{57FF82C3-2FA9-495D-B0BF-E879D2D77FEE}" type="datetimeFigureOut">
               <a:rPr lang="en-IN" smtClean="0"/>
-              <a:t>29/04/22</a:t>
+              <a:t>03/05/22</a:t>
             </a:fld>
             <a:endParaRPr lang="en-IN"/>
           </a:p>
@@ -1037,7 +1037,7 @@
           <a:p>
             <a:fld id="{57FF82C3-2FA9-495D-B0BF-E879D2D77FEE}" type="datetimeFigureOut">
               <a:rPr lang="en-IN" smtClean="0"/>
-              <a:t>29/04/22</a:t>
+              <a:t>03/05/22</a:t>
             </a:fld>
             <a:endParaRPr lang="en-IN"/>
           </a:p>
@@ -1269,7 +1269,7 @@
           <a:p>
             <a:fld id="{57FF82C3-2FA9-495D-B0BF-E879D2D77FEE}" type="datetimeFigureOut">
               <a:rPr lang="en-IN" smtClean="0"/>
-              <a:t>29/04/22</a:t>
+              <a:t>03/05/22</a:t>
             </a:fld>
             <a:endParaRPr lang="en-IN"/>
           </a:p>
@@ -1636,7 +1636,7 @@
           <a:p>
             <a:fld id="{57FF82C3-2FA9-495D-B0BF-E879D2D77FEE}" type="datetimeFigureOut">
               <a:rPr lang="en-IN" smtClean="0"/>
-              <a:t>29/04/22</a:t>
+              <a:t>03/05/22</a:t>
             </a:fld>
             <a:endParaRPr lang="en-IN"/>
           </a:p>
@@ -1754,7 +1754,7 @@
           <a:p>
             <a:fld id="{57FF82C3-2FA9-495D-B0BF-E879D2D77FEE}" type="datetimeFigureOut">
               <a:rPr lang="en-IN" smtClean="0"/>
-              <a:t>29/04/22</a:t>
+              <a:t>03/05/22</a:t>
             </a:fld>
             <a:endParaRPr lang="en-IN"/>
           </a:p>
@@ -1849,7 +1849,7 @@
           <a:p>
             <a:fld id="{57FF82C3-2FA9-495D-B0BF-E879D2D77FEE}" type="datetimeFigureOut">
               <a:rPr lang="en-IN" smtClean="0"/>
-              <a:t>29/04/22</a:t>
+              <a:t>03/05/22</a:t>
             </a:fld>
             <a:endParaRPr lang="en-IN"/>
           </a:p>
@@ -2126,7 +2126,7 @@
           <a:p>
             <a:fld id="{57FF82C3-2FA9-495D-B0BF-E879D2D77FEE}" type="datetimeFigureOut">
               <a:rPr lang="en-IN" smtClean="0"/>
-              <a:t>29/04/22</a:t>
+              <a:t>03/05/22</a:t>
             </a:fld>
             <a:endParaRPr lang="en-IN"/>
           </a:p>
@@ -2379,7 +2379,7 @@
           <a:p>
             <a:fld id="{57FF82C3-2FA9-495D-B0BF-E879D2D77FEE}" type="datetimeFigureOut">
               <a:rPr lang="en-IN" smtClean="0"/>
-              <a:t>29/04/22</a:t>
+              <a:t>03/05/22</a:t>
             </a:fld>
             <a:endParaRPr lang="en-IN"/>
           </a:p>
@@ -2592,7 +2592,7 @@
           <a:p>
             <a:fld id="{57FF82C3-2FA9-495D-B0BF-E879D2D77FEE}" type="datetimeFigureOut">
               <a:rPr lang="en-IN" smtClean="0"/>
-              <a:t>29/04/22</a:t>
+              <a:t>03/05/22</a:t>
             </a:fld>
             <a:endParaRPr lang="en-IN"/>
           </a:p>
@@ -3016,25 +3016,6 @@
               <a:rPr lang="en-IN" dirty="0"/>
               <a:t>Secure Socket Layer</a:t>
             </a:r>
-          </a:p>
-        </p:txBody>
-      </p:sp>
-      <p:sp>
-        <p:nvSpPr>
-          <p:cNvPr id="3" name="Subtitle 2"/>
-          <p:cNvSpPr>
-            <a:spLocks noGrp="1"/>
-          </p:cNvSpPr>
-          <p:nvPr>
-            <p:ph type="subTitle" idx="1"/>
-          </p:nvPr>
-        </p:nvSpPr>
-        <p:spPr/>
-        <p:txBody>
-          <a:bodyPr/>
-          <a:lstStyle/>
-          <a:p>
-            <a:endParaRPr lang="en-IN" dirty="0"/>
           </a:p>
         </p:txBody>
       </p:sp>
@@ -3997,44 +3978,6 @@
           <a:chExt cx="0" cy="0"/>
         </a:xfrm>
       </p:grpSpPr>
-      <p:sp>
-        <p:nvSpPr>
-          <p:cNvPr id="2" name="Title 1"/>
-          <p:cNvSpPr>
-            <a:spLocks noGrp="1"/>
-          </p:cNvSpPr>
-          <p:nvPr>
-            <p:ph type="title"/>
-          </p:nvPr>
-        </p:nvSpPr>
-        <p:spPr/>
-        <p:txBody>
-          <a:bodyPr/>
-          <a:lstStyle/>
-          <a:p>
-            <a:endParaRPr lang="en-IN"/>
-          </a:p>
-        </p:txBody>
-      </p:sp>
-      <p:sp>
-        <p:nvSpPr>
-          <p:cNvPr id="3" name="Content Placeholder 2"/>
-          <p:cNvSpPr>
-            <a:spLocks noGrp="1"/>
-          </p:cNvSpPr>
-          <p:nvPr>
-            <p:ph idx="1"/>
-          </p:nvPr>
-        </p:nvSpPr>
-        <p:spPr/>
-        <p:txBody>
-          <a:bodyPr/>
-          <a:lstStyle/>
-          <a:p>
-            <a:endParaRPr lang="en-IN"/>
-          </a:p>
-        </p:txBody>
-      </p:sp>
       <p:pic>
         <p:nvPicPr>
           <p:cNvPr id="4" name="Picture 3"/>
@@ -4558,44 +4501,6 @@
           <a:chExt cx="0" cy="0"/>
         </a:xfrm>
       </p:grpSpPr>
-      <p:sp>
-        <p:nvSpPr>
-          <p:cNvPr id="2" name="Title 1"/>
-          <p:cNvSpPr>
-            <a:spLocks noGrp="1"/>
-          </p:cNvSpPr>
-          <p:nvPr>
-            <p:ph type="title"/>
-          </p:nvPr>
-        </p:nvSpPr>
-        <p:spPr/>
-        <p:txBody>
-          <a:bodyPr/>
-          <a:lstStyle/>
-          <a:p>
-            <a:endParaRPr lang="en-IN"/>
-          </a:p>
-        </p:txBody>
-      </p:sp>
-      <p:sp>
-        <p:nvSpPr>
-          <p:cNvPr id="3" name="Content Placeholder 2"/>
-          <p:cNvSpPr>
-            <a:spLocks noGrp="1"/>
-          </p:cNvSpPr>
-          <p:nvPr>
-            <p:ph idx="1"/>
-          </p:nvPr>
-        </p:nvSpPr>
-        <p:spPr/>
-        <p:txBody>
-          <a:bodyPr/>
-          <a:lstStyle/>
-          <a:p>
-            <a:endParaRPr lang="en-IN"/>
-          </a:p>
-        </p:txBody>
-      </p:sp>
       <p:pic>
         <p:nvPicPr>
           <p:cNvPr id="4" name="Picture 3"/>
@@ -4684,91 +4589,36 @@
           </a:p>
         </p:txBody>
       </p:sp>
-      <p:sp>
-        <p:nvSpPr>
-          <p:cNvPr id="3" name="Content Placeholder 2"/>
-          <p:cNvSpPr>
-            <a:spLocks noGrp="1"/>
-          </p:cNvSpPr>
-          <p:nvPr>
-            <p:ph idx="1"/>
-          </p:nvPr>
-        </p:nvSpPr>
+      <p:pic>
+        <p:nvPicPr>
+          <p:cNvPr id="4" name="Picture 3">
+            <a:extLst>
+              <a:ext uri="{FF2B5EF4-FFF2-40B4-BE49-F238E27FC236}">
+                <a16:creationId xmlns:a16="http://schemas.microsoft.com/office/drawing/2014/main" id="{99D5C890-EE97-1458-AFFB-F5EC1197F62B}"/>
+              </a:ext>
+            </a:extLst>
+          </p:cNvPr>
+          <p:cNvPicPr>
+            <a:picLocks noChangeAspect="1"/>
+          </p:cNvPicPr>
+          <p:nvPr/>
+        </p:nvPicPr>
+        <p:blipFill>
+          <a:blip r:embed="rId2"/>
+          <a:stretch>
+            <a:fillRect/>
+          </a:stretch>
+        </p:blipFill>
         <p:spPr>
           <a:xfrm>
-            <a:off x="425003" y="721216"/>
-            <a:ext cx="10928797" cy="6136783"/>
+            <a:off x="207134" y="728705"/>
+            <a:ext cx="9233427" cy="5610540"/>
           </a:xfrm>
+          <a:prstGeom prst="rect">
+            <a:avLst/>
+          </a:prstGeom>
         </p:spPr>
-        <p:txBody>
-          <a:bodyPr>
-            <a:normAutofit lnSpcReduction="10000"/>
-          </a:bodyPr>
-          <a:lstStyle/>
-          <a:p>
-            <a:pPr algn="just"/>
-            <a:r>
-              <a:rPr lang="en-US" dirty="0"/>
-              <a:t>The IP security (</a:t>
-            </a:r>
-            <a:r>
-              <a:rPr lang="en-US" dirty="0" err="1"/>
-              <a:t>IPSec</a:t>
-            </a:r>
-            <a:r>
-              <a:rPr lang="en-US" dirty="0"/>
-              <a:t>) is an Internet Engineering Task Force (IETF) standard suite of protocols between 2 communication points across the IP network that provide data authentication, integrity, and confidentiality. </a:t>
-            </a:r>
-          </a:p>
-          <a:p>
-            <a:pPr algn="just"/>
-            <a:r>
-              <a:rPr lang="en-US" dirty="0"/>
-              <a:t>It also defines the encrypted, decrypted and authenticated packets. The protocols needed for secure key exchange and key management are defined in it.</a:t>
-            </a:r>
-          </a:p>
-          <a:p>
-            <a:pPr algn="just"/>
-            <a:endParaRPr lang="en-US" dirty="0"/>
-          </a:p>
-          <a:p>
-            <a:pPr algn="just"/>
-            <a:r>
-              <a:rPr lang="en-US" b="1" dirty="0"/>
-              <a:t>Uses of IP Security</a:t>
-            </a:r>
-          </a:p>
-          <a:p>
-            <a:pPr lvl="1" algn="just"/>
-            <a:r>
-              <a:rPr lang="en-US" dirty="0"/>
-              <a:t>To encrypt application layer data.</a:t>
-            </a:r>
-          </a:p>
-          <a:p>
-            <a:pPr lvl="1" algn="just"/>
-            <a:r>
-              <a:rPr lang="en-US" dirty="0"/>
-              <a:t>To provide security for routers sending routing data across the public internet.</a:t>
-            </a:r>
-          </a:p>
-          <a:p>
-            <a:pPr lvl="1" algn="just"/>
-            <a:r>
-              <a:rPr lang="en-US" dirty="0"/>
-              <a:t>To provide authentication without encryption, like to authenticate that the data originates from a known sender.</a:t>
-            </a:r>
-          </a:p>
-          <a:p>
-            <a:pPr lvl="1" algn="just"/>
-            <a:r>
-              <a:rPr lang="en-US" dirty="0"/>
-              <a:t>To protect network data by setting up circuits using IPsec tunneling in which all data is being sent between the two endpoints is encrypted, as with a Virtual Private Network(VPN) connection.</a:t>
-            </a:r>
-            <a:endParaRPr lang="en-IN" dirty="0"/>
-          </a:p>
-        </p:txBody>
-      </p:sp>
+      </p:pic>
     </p:spTree>
     <p:extLst>
       <p:ext uri="{BB962C8B-B14F-4D97-AF65-F5344CB8AC3E}">
@@ -4843,19 +4693,40 @@
             </a:r>
             <a:r>
               <a:rPr lang="en-US" dirty="0"/>
-              <a:t> uses two distinct protocols: Authentication Header (AH) and Encapsulating Security Payload (ESP).</a:t>
-            </a:r>
-          </a:p>
-          <a:p>
-            <a:r>
+              <a:t> uses two distinct protocols: </a:t>
+            </a:r>
+            <a:br>
               <a:rPr lang="en-US" dirty="0"/>
-              <a:t>The AH protocol provides a mechanism for authentication only. ESP can be used with confidentiality only, authentication only, or both confidentiality and authentication.</a:t>
+            </a:br>
+            <a:r>
+              <a:rPr lang="en-US" dirty="0"/>
+              <a:t>Authentication Header (AH) and Encapsulating Security Payload (ESP).</a:t>
+            </a:r>
+          </a:p>
+          <a:p>
+            <a:r>
+              <a:rPr lang="en-US" dirty="0"/>
+              <a:t>The AH protocol provides a mechanism for authentication only. </a:t>
+            </a:r>
+            <a:br>
+              <a:rPr lang="en-US" dirty="0"/>
+            </a:br>
+            <a:r>
+              <a:rPr lang="en-US" dirty="0"/>
+              <a:t>ESP can be used with confidentiality only, authentication only, or both confidentiality and authentication.</a:t>
             </a:r>
           </a:p>
           <a:p>
             <a:r>
               <a:rPr lang="en-IN" dirty="0"/>
-              <a:t>IPsec Protection Protocols. AH provides data integrity by using an authentication algorithm. It does not encrypt the packet. ESP typically protects the packet with an encryption algorithm and provides data integrity with an authentication algorithm.</a:t>
+              <a:t>IPsec Protection Protocols. AH provides data integrity by using an authentication algorithm. It does not encrypt the packet. </a:t>
+            </a:r>
+            <a:br>
+              <a:rPr lang="en-IN" dirty="0"/>
+            </a:br>
+            <a:r>
+              <a:rPr lang="en-IN" dirty="0"/>
+              <a:t>ESP typically protects the packet with an encryption algorithm and provides data integrity with an authentication algorithm.</a:t>
             </a:r>
           </a:p>
         </p:txBody>
@@ -4890,49 +4761,51 @@
           <a:chExt cx="0" cy="0"/>
         </a:xfrm>
       </p:grpSpPr>
-      <p:sp>
-        <p:nvSpPr>
-          <p:cNvPr id="2" name="Title 1"/>
-          <p:cNvSpPr>
-            <a:spLocks noGrp="1"/>
-          </p:cNvSpPr>
-          <p:nvPr>
-            <p:ph type="title"/>
-          </p:nvPr>
-        </p:nvSpPr>
-        <p:spPr/>
-        <p:txBody>
-          <a:bodyPr/>
-          <a:lstStyle/>
-          <a:p>
-            <a:endParaRPr lang="en-IN"/>
-          </a:p>
-        </p:txBody>
-      </p:sp>
       <p:pic>
         <p:nvPicPr>
-          <p:cNvPr id="4" name="Content Placeholder 3"/>
+          <p:cNvPr id="1026" name="Picture 2">
+            <a:extLst>
+              <a:ext uri="{FF2B5EF4-FFF2-40B4-BE49-F238E27FC236}">
+                <a16:creationId xmlns:a16="http://schemas.microsoft.com/office/drawing/2014/main" id="{437D65C1-F432-380B-FE96-1F98D232282E}"/>
+              </a:ext>
+            </a:extLst>
+          </p:cNvPr>
           <p:cNvPicPr>
-            <a:picLocks noGrp="1" noChangeAspect="1"/>
+            <a:picLocks noChangeAspect="1" noChangeArrowheads="1"/>
           </p:cNvPicPr>
-          <p:nvPr>
-            <p:ph idx="1"/>
-          </p:nvPr>
+          <p:nvPr/>
         </p:nvPicPr>
         <p:blipFill>
-          <a:blip r:embed="rId2"/>
+          <a:blip r:embed="rId2">
+            <a:extLst>
+              <a:ext uri="{28A0092B-C50C-407E-A947-70E740481C1C}">
+                <a14:useLocalDpi xmlns:a14="http://schemas.microsoft.com/office/drawing/2010/main" val="0"/>
+              </a:ext>
+            </a:extLst>
+          </a:blip>
+          <a:srcRect/>
           <a:stretch>
             <a:fillRect/>
           </a:stretch>
         </p:blipFill>
-        <p:spPr>
+        <p:spPr bwMode="auto">
           <a:xfrm>
-            <a:off x="3079392" y="1027906"/>
-            <a:ext cx="6682793" cy="5165370"/>
+            <a:off x="953873" y="423237"/>
+            <a:ext cx="7325154" cy="6011525"/>
           </a:xfrm>
           <a:prstGeom prst="rect">
             <a:avLst/>
           </a:prstGeom>
+          <a:noFill/>
+          <a:extLst>
+            <a:ext uri="{909E8E84-426E-40DD-AFC4-6F175D3DCCD1}">
+              <a14:hiddenFill xmlns:a14="http://schemas.microsoft.com/office/drawing/2010/main">
+                <a:solidFill>
+                  <a:srgbClr val="FFFFFF"/>
+                </a:solidFill>
+              </a14:hiddenFill>
+            </a:ext>
+          </a:extLst>
         </p:spPr>
       </p:pic>
     </p:spTree>
